--- a/Samsa2.pptx
+++ b/Samsa2.pptx
@@ -7,8 +7,10 @@
   <p:sldIdLst>
     <p:sldId id="257" r:id="rId2"/>
     <p:sldId id="264" r:id="rId3"/>
-    <p:sldId id="274" r:id="rId4"/>
-    <p:sldId id="275" r:id="rId5"/>
+    <p:sldId id="742" r:id="rId4"/>
+    <p:sldId id="743" r:id="rId5"/>
+    <p:sldId id="274" r:id="rId6"/>
+    <p:sldId id="275" r:id="rId7"/>
   </p:sldIdLst>
   <p:sldSz cx="9144000" cy="6858000" type="screen4x3"/>
   <p:notesSz cx="6858000" cy="9144000"/>
@@ -107,6 +109,11 @@
       </a:defRPr>
     </a:lvl9pPr>
   </p:defaultTextStyle>
+  <p:extLst>
+    <p:ext uri="{EFAFB233-063F-42B5-8137-9DF3F51BA10A}">
+      <p15:sldGuideLst xmlns:p15="http://schemas.microsoft.com/office/powerpoint/2012/main"/>
+    </p:ext>
+  </p:extLst>
 </p:presentation>
 </file>
 
@@ -241,7 +248,7 @@
           <a:p>
             <a:fld id="{E0DA7CAC-0F81-DB40-A41A-39C11BC909FB}" type="datetimeFigureOut">
               <a:rPr lang="en-CH" smtClean="0"/>
-              <a:t>22.03.23</a:t>
+              <a:t>23.03.23</a:t>
             </a:fld>
             <a:endParaRPr lang="en-CH"/>
           </a:p>
@@ -439,7 +446,7 @@
           <a:p>
             <a:fld id="{E0DA7CAC-0F81-DB40-A41A-39C11BC909FB}" type="datetimeFigureOut">
               <a:rPr lang="en-CH" smtClean="0"/>
-              <a:t>22.03.23</a:t>
+              <a:t>23.03.23</a:t>
             </a:fld>
             <a:endParaRPr lang="en-CH"/>
           </a:p>
@@ -619,7 +626,7 @@
           <a:p>
             <a:fld id="{E0DA7CAC-0F81-DB40-A41A-39C11BC909FB}" type="datetimeFigureOut">
               <a:rPr lang="en-CH" smtClean="0"/>
-              <a:t>22.03.23</a:t>
+              <a:t>23.03.23</a:t>
             </a:fld>
             <a:endParaRPr lang="en-CH"/>
           </a:p>
@@ -789,7 +796,7 @@
           <a:p>
             <a:fld id="{E0DA7CAC-0F81-DB40-A41A-39C11BC909FB}" type="datetimeFigureOut">
               <a:rPr lang="en-CH" smtClean="0"/>
-              <a:t>22.03.23</a:t>
+              <a:t>23.03.23</a:t>
             </a:fld>
             <a:endParaRPr lang="en-CH"/>
           </a:p>
@@ -1061,7 +1068,7 @@
           <a:p>
             <a:fld id="{E0DA7CAC-0F81-DB40-A41A-39C11BC909FB}" type="datetimeFigureOut">
               <a:rPr lang="en-CH" smtClean="0"/>
-              <a:t>22.03.23</a:t>
+              <a:t>23.03.23</a:t>
             </a:fld>
             <a:endParaRPr lang="en-CH"/>
           </a:p>
@@ -1293,7 +1300,7 @@
           <a:p>
             <a:fld id="{E0DA7CAC-0F81-DB40-A41A-39C11BC909FB}" type="datetimeFigureOut">
               <a:rPr lang="en-CH" smtClean="0"/>
-              <a:t>22.03.23</a:t>
+              <a:t>23.03.23</a:t>
             </a:fld>
             <a:endParaRPr lang="en-CH"/>
           </a:p>
@@ -1660,7 +1667,7 @@
           <a:p>
             <a:fld id="{E0DA7CAC-0F81-DB40-A41A-39C11BC909FB}" type="datetimeFigureOut">
               <a:rPr lang="en-CH" smtClean="0"/>
-              <a:t>22.03.23</a:t>
+              <a:t>23.03.23</a:t>
             </a:fld>
             <a:endParaRPr lang="en-CH"/>
           </a:p>
@@ -1778,7 +1785,7 @@
           <a:p>
             <a:fld id="{E0DA7CAC-0F81-DB40-A41A-39C11BC909FB}" type="datetimeFigureOut">
               <a:rPr lang="en-CH" smtClean="0"/>
-              <a:t>22.03.23</a:t>
+              <a:t>23.03.23</a:t>
             </a:fld>
             <a:endParaRPr lang="en-CH"/>
           </a:p>
@@ -1873,7 +1880,7 @@
           <a:p>
             <a:fld id="{E0DA7CAC-0F81-DB40-A41A-39C11BC909FB}" type="datetimeFigureOut">
               <a:rPr lang="en-CH" smtClean="0"/>
-              <a:t>22.03.23</a:t>
+              <a:t>23.03.23</a:t>
             </a:fld>
             <a:endParaRPr lang="en-CH"/>
           </a:p>
@@ -2150,7 +2157,7 @@
           <a:p>
             <a:fld id="{E0DA7CAC-0F81-DB40-A41A-39C11BC909FB}" type="datetimeFigureOut">
               <a:rPr lang="en-CH" smtClean="0"/>
-              <a:t>22.03.23</a:t>
+              <a:t>23.03.23</a:t>
             </a:fld>
             <a:endParaRPr lang="en-CH"/>
           </a:p>
@@ -2407,7 +2414,7 @@
           <a:p>
             <a:fld id="{E0DA7CAC-0F81-DB40-A41A-39C11BC909FB}" type="datetimeFigureOut">
               <a:rPr lang="en-CH" smtClean="0"/>
-              <a:t>22.03.23</a:t>
+              <a:t>23.03.23</a:t>
             </a:fld>
             <a:endParaRPr lang="en-CH"/>
           </a:p>
@@ -2620,7 +2627,7 @@
           <a:p>
             <a:fld id="{E0DA7CAC-0F81-DB40-A41A-39C11BC909FB}" type="datetimeFigureOut">
               <a:rPr lang="en-CH" smtClean="0"/>
-              <a:t>22.03.23</a:t>
+              <a:t>23.03.23</a:t>
             </a:fld>
             <a:endParaRPr lang="en-CH"/>
           </a:p>
@@ -3291,6 +3298,388 @@
       </p:grpSpPr>
       <p:sp>
         <p:nvSpPr>
+          <p:cNvPr id="2" name="Content Placeholder 1">
+            <a:extLst>
+              <a:ext uri="{FF2B5EF4-FFF2-40B4-BE49-F238E27FC236}">
+                <a16:creationId xmlns:a16="http://schemas.microsoft.com/office/drawing/2014/main" id="{00BAE4E7-F28B-641C-73C2-67930679723F}"/>
+              </a:ext>
+            </a:extLst>
+          </p:cNvPr>
+          <p:cNvSpPr>
+            <a:spLocks noGrp="1"/>
+          </p:cNvSpPr>
+          <p:nvPr>
+            <p:ph sz="half" idx="1"/>
+          </p:nvPr>
+        </p:nvSpPr>
+        <p:spPr>
+          <a:xfrm>
+            <a:off x="534380" y="1676904"/>
+            <a:ext cx="8075240" cy="4896967"/>
+          </a:xfrm>
+        </p:spPr>
+        <p:txBody>
+          <a:bodyPr/>
+          <a:lstStyle/>
+          <a:p>
+            <a:r>
+              <a:rPr lang="en-GB" b="0" i="0" dirty="0">
+                <a:solidFill>
+                  <a:srgbClr val="333333"/>
+                </a:solidFill>
+                <a:effectLst/>
+                <a:cs typeface="Calibri" panose="020F0502020204030204" pitchFamily="34" charset="0"/>
+              </a:rPr>
+              <a:t>multifactorial disease characterized by a shift from the </a:t>
+            </a:r>
+            <a:r>
+              <a:rPr lang="en-GB" b="0" i="1" dirty="0">
+                <a:solidFill>
+                  <a:srgbClr val="333333"/>
+                </a:solidFill>
+                <a:effectLst/>
+                <a:cs typeface="Calibri" panose="020F0502020204030204" pitchFamily="34" charset="0"/>
+              </a:rPr>
+              <a:t>Lactobacillus</a:t>
+            </a:r>
+            <a:r>
+              <a:rPr lang="en-GB" b="0" i="0" dirty="0">
+                <a:solidFill>
+                  <a:srgbClr val="333333"/>
+                </a:solidFill>
+                <a:effectLst/>
+                <a:cs typeface="Calibri" panose="020F0502020204030204" pitchFamily="34" charset="0"/>
+              </a:rPr>
+              <a:t> species-dominated microbial community toward a taxonomically diverse anaerobic community</a:t>
+            </a:r>
+          </a:p>
+          <a:p>
+            <a:r>
+              <a:rPr lang="en-GB" dirty="0">
+                <a:solidFill>
+                  <a:srgbClr val="333333"/>
+                </a:solidFill>
+                <a:cs typeface="Calibri" panose="020F0502020204030204" pitchFamily="34" charset="0"/>
+              </a:rPr>
+              <a:t>8 women diagnosed with BV</a:t>
+            </a:r>
+          </a:p>
+          <a:p>
+            <a:r>
+              <a:rPr lang="en-GB" dirty="0">
+                <a:solidFill>
+                  <a:srgbClr val="333333"/>
+                </a:solidFill>
+                <a:cs typeface="Calibri" panose="020F0502020204030204" pitchFamily="34" charset="0"/>
+              </a:rPr>
+              <a:t>4 successfully treated, 4 not</a:t>
+            </a:r>
+          </a:p>
+          <a:p>
+            <a:r>
+              <a:rPr lang="en-GB" b="0" i="0" dirty="0">
+                <a:solidFill>
+                  <a:srgbClr val="333333"/>
+                </a:solidFill>
+                <a:effectLst/>
+                <a:cs typeface="Calibri" panose="020F0502020204030204" pitchFamily="34" charset="0"/>
+              </a:rPr>
+              <a:t>Paired-end </a:t>
+            </a:r>
+            <a:r>
+              <a:rPr lang="en-GB" b="0" i="0" dirty="0" err="1">
+                <a:solidFill>
+                  <a:srgbClr val="333333"/>
+                </a:solidFill>
+                <a:effectLst/>
+                <a:cs typeface="Calibri" panose="020F0502020204030204" pitchFamily="34" charset="0"/>
+              </a:rPr>
+              <a:t>seq</a:t>
+            </a:r>
+            <a:r>
+              <a:rPr lang="en-GB" b="0" i="0" dirty="0">
+                <a:solidFill>
+                  <a:srgbClr val="333333"/>
+                </a:solidFill>
+                <a:effectLst/>
+                <a:cs typeface="Calibri" panose="020F0502020204030204" pitchFamily="34" charset="0"/>
+              </a:rPr>
+              <a:t> performed on a </a:t>
+            </a:r>
+            <a:r>
+              <a:rPr lang="en-GB" b="0" i="0" dirty="0" err="1">
+                <a:solidFill>
+                  <a:srgbClr val="333333"/>
+                </a:solidFill>
+                <a:effectLst/>
+                <a:cs typeface="Calibri" panose="020F0502020204030204" pitchFamily="34" charset="0"/>
+              </a:rPr>
+              <a:t>HiSeq</a:t>
+            </a:r>
+            <a:r>
+              <a:rPr lang="en-GB" b="0" i="0" dirty="0">
+                <a:solidFill>
+                  <a:srgbClr val="333333"/>
+                </a:solidFill>
+                <a:effectLst/>
+                <a:cs typeface="Calibri" panose="020F0502020204030204" pitchFamily="34" charset="0"/>
+              </a:rPr>
+              <a:t> 2500 Sequencer to yield 2 × 110-bp</a:t>
+            </a:r>
+          </a:p>
+          <a:p>
+            <a:endParaRPr lang="en-GB" dirty="0">
+              <a:solidFill>
+                <a:srgbClr val="333333"/>
+              </a:solidFill>
+              <a:latin typeface="Source Serif Pro" panose="020F0502020204030204" pitchFamily="34" charset="0"/>
+            </a:endParaRPr>
+          </a:p>
+        </p:txBody>
+      </p:sp>
+      <p:pic>
+        <p:nvPicPr>
+          <p:cNvPr id="6" name="Content Placeholder 5" descr="Diagram, timeline&#10;&#10;Description automatically generated">
+            <a:extLst>
+              <a:ext uri="{FF2B5EF4-FFF2-40B4-BE49-F238E27FC236}">
+                <a16:creationId xmlns:a16="http://schemas.microsoft.com/office/drawing/2014/main" id="{3E4635BF-4166-E4D2-9740-686EF4FD0343}"/>
+              </a:ext>
+            </a:extLst>
+          </p:cNvPr>
+          <p:cNvPicPr>
+            <a:picLocks noGrp="1" noChangeAspect="1"/>
+          </p:cNvPicPr>
+          <p:nvPr>
+            <p:ph sz="half" idx="2"/>
+          </p:nvPr>
+        </p:nvPicPr>
+        <p:blipFill>
+          <a:blip r:embed="rId2">
+            <a:extLst>
+              <a:ext uri="{28A0092B-C50C-407E-A947-70E740481C1C}">
+                <a14:useLocalDpi xmlns:a14="http://schemas.microsoft.com/office/drawing/2010/main" val="0"/>
+              </a:ext>
+            </a:extLst>
+          </a:blip>
+          <a:stretch>
+            <a:fillRect/>
+          </a:stretch>
+        </p:blipFill>
+        <p:spPr>
+          <a:xfrm>
+            <a:off x="1115616" y="5157430"/>
+            <a:ext cx="6264696" cy="1201562"/>
+          </a:xfrm>
+        </p:spPr>
+      </p:pic>
+      <p:sp>
+        <p:nvSpPr>
+          <p:cNvPr id="4" name="Title 3">
+            <a:extLst>
+              <a:ext uri="{FF2B5EF4-FFF2-40B4-BE49-F238E27FC236}">
+                <a16:creationId xmlns:a16="http://schemas.microsoft.com/office/drawing/2014/main" id="{604A25E6-F449-5D23-3809-6860C4D209EE}"/>
+              </a:ext>
+            </a:extLst>
+          </p:cNvPr>
+          <p:cNvSpPr>
+            <a:spLocks noGrp="1"/>
+          </p:cNvSpPr>
+          <p:nvPr>
+            <p:ph type="title"/>
+          </p:nvPr>
+        </p:nvSpPr>
+        <p:spPr>
+          <a:xfrm>
+            <a:off x="628650" y="649836"/>
+            <a:ext cx="7886700" cy="1325563"/>
+          </a:xfrm>
+        </p:spPr>
+        <p:txBody>
+          <a:bodyPr/>
+          <a:lstStyle/>
+          <a:p>
+            <a:r>
+              <a:rPr lang="en-CH" dirty="0"/>
+              <a:t>Tutorial – Bacterial Vaginosis</a:t>
+            </a:r>
+          </a:p>
+        </p:txBody>
+      </p:sp>
+      <p:sp>
+        <p:nvSpPr>
+          <p:cNvPr id="5" name="TextBox 4">
+            <a:extLst>
+              <a:ext uri="{FF2B5EF4-FFF2-40B4-BE49-F238E27FC236}">
+                <a16:creationId xmlns:a16="http://schemas.microsoft.com/office/drawing/2014/main" id="{AC0AADA7-193C-2FDE-F9C2-10AE0BBC51B6}"/>
+              </a:ext>
+            </a:extLst>
+          </p:cNvPr>
+          <p:cNvSpPr txBox="1"/>
+          <p:nvPr/>
+        </p:nvSpPr>
+        <p:spPr>
+          <a:xfrm>
+            <a:off x="4422135" y="6370374"/>
+            <a:ext cx="4572000" cy="276999"/>
+          </a:xfrm>
+          <a:prstGeom prst="rect">
+            <a:avLst/>
+          </a:prstGeom>
+          <a:noFill/>
+        </p:spPr>
+        <p:txBody>
+          <a:bodyPr wrap="square">
+            <a:spAutoFit/>
+          </a:bodyPr>
+          <a:lstStyle/>
+          <a:p>
+            <a:r>
+              <a:rPr lang="en-CH" sz="1200" dirty="0"/>
+              <a:t>https://journals.asm.org/doi/full/10.1128/mSphereDirect.00262-18</a:t>
+            </a:r>
+          </a:p>
+        </p:txBody>
+      </p:sp>
+    </p:spTree>
+    <p:extLst>
+      <p:ext uri="{BB962C8B-B14F-4D97-AF65-F5344CB8AC3E}">
+        <p14:creationId xmlns:p14="http://schemas.microsoft.com/office/powerpoint/2010/main" val="4054103953"/>
+      </p:ext>
+    </p:extLst>
+  </p:cSld>
+  <p:clrMapOvr>
+    <a:masterClrMapping/>
+  </p:clrMapOvr>
+</p:sld>
+</file>
+
+<file path=ppt/slides/slide4.xml><?xml version="1.0" encoding="utf-8"?>
+<p:sld xmlns:a="http://schemas.openxmlformats.org/drawingml/2006/main" xmlns:r="http://schemas.openxmlformats.org/officeDocument/2006/relationships" xmlns:p="http://schemas.openxmlformats.org/presentationml/2006/main">
+  <p:cSld>
+    <p:spTree>
+      <p:nvGrpSpPr>
+        <p:cNvPr id="1" name=""/>
+        <p:cNvGrpSpPr/>
+        <p:nvPr/>
+      </p:nvGrpSpPr>
+      <p:grpSpPr>
+        <a:xfrm>
+          <a:off x="0" y="0"/>
+          <a:ext cx="0" cy="0"/>
+          <a:chOff x="0" y="0"/>
+          <a:chExt cx="0" cy="0"/>
+        </a:xfrm>
+      </p:grpSpPr>
+      <p:sp>
+        <p:nvSpPr>
+          <p:cNvPr id="2" name="Title 1">
+            <a:extLst>
+              <a:ext uri="{FF2B5EF4-FFF2-40B4-BE49-F238E27FC236}">
+                <a16:creationId xmlns:a16="http://schemas.microsoft.com/office/drawing/2014/main" id="{47E1B990-06C2-5D63-A7ED-36C5A5E7F621}"/>
+              </a:ext>
+            </a:extLst>
+          </p:cNvPr>
+          <p:cNvSpPr>
+            <a:spLocks noGrp="1"/>
+          </p:cNvSpPr>
+          <p:nvPr>
+            <p:ph type="title"/>
+          </p:nvPr>
+        </p:nvSpPr>
+        <p:spPr>
+          <a:xfrm>
+            <a:off x="628650" y="960212"/>
+            <a:ext cx="7886700" cy="1325563"/>
+          </a:xfrm>
+        </p:spPr>
+        <p:txBody>
+          <a:bodyPr/>
+          <a:lstStyle/>
+          <a:p>
+            <a:r>
+              <a:rPr lang="en-CH" dirty="0"/>
+              <a:t>You have two datasets in your project folder</a:t>
+            </a:r>
+          </a:p>
+        </p:txBody>
+      </p:sp>
+      <p:sp>
+        <p:nvSpPr>
+          <p:cNvPr id="12" name="Content Placeholder 11">
+            <a:extLst>
+              <a:ext uri="{FF2B5EF4-FFF2-40B4-BE49-F238E27FC236}">
+                <a16:creationId xmlns:a16="http://schemas.microsoft.com/office/drawing/2014/main" id="{562A5B18-984B-2C0C-1ADE-2BAADC15AE3E}"/>
+              </a:ext>
+            </a:extLst>
+          </p:cNvPr>
+          <p:cNvSpPr>
+            <a:spLocks noGrp="1"/>
+          </p:cNvSpPr>
+          <p:nvPr>
+            <p:ph idx="1"/>
+          </p:nvPr>
+        </p:nvSpPr>
+        <p:spPr>
+          <a:xfrm>
+            <a:off x="628650" y="2481943"/>
+            <a:ext cx="7886700" cy="3695020"/>
+          </a:xfrm>
+        </p:spPr>
+        <p:txBody>
+          <a:bodyPr/>
+          <a:lstStyle/>
+          <a:p>
+            <a:r>
+              <a:rPr lang="en-CH" dirty="0"/>
+              <a:t>Samsa2_metatranscriptomics_VaginalMicrobiome_noresponse</a:t>
+            </a:r>
+          </a:p>
+          <a:p>
+            <a:r>
+              <a:rPr lang="en-CH" dirty="0"/>
+              <a:t>Samsa2_metatranscriptomics_VaginalMicrobiome_response</a:t>
+            </a:r>
+          </a:p>
+          <a:p>
+            <a:pPr marL="0" indent="0">
+              <a:buNone/>
+            </a:pPr>
+            <a:endParaRPr lang="en-CH" dirty="0"/>
+          </a:p>
+        </p:txBody>
+      </p:sp>
+    </p:spTree>
+    <p:extLst>
+      <p:ext uri="{BB962C8B-B14F-4D97-AF65-F5344CB8AC3E}">
+        <p14:creationId xmlns:p14="http://schemas.microsoft.com/office/powerpoint/2010/main" val="608995171"/>
+      </p:ext>
+    </p:extLst>
+  </p:cSld>
+  <p:clrMapOvr>
+    <a:masterClrMapping/>
+  </p:clrMapOvr>
+</p:sld>
+</file>
+
+<file path=ppt/slides/slide5.xml><?xml version="1.0" encoding="utf-8"?>
+<p:sld xmlns:a="http://schemas.openxmlformats.org/drawingml/2006/main" xmlns:r="http://schemas.openxmlformats.org/officeDocument/2006/relationships" xmlns:p="http://schemas.openxmlformats.org/presentationml/2006/main">
+  <p:cSld>
+    <p:spTree>
+      <p:nvGrpSpPr>
+        <p:cNvPr id="1" name=""/>
+        <p:cNvGrpSpPr/>
+        <p:nvPr/>
+      </p:nvGrpSpPr>
+      <p:grpSpPr>
+        <a:xfrm>
+          <a:off x="0" y="0"/>
+          <a:ext cx="0" cy="0"/>
+          <a:chOff x="0" y="0"/>
+          <a:chExt cx="0" cy="0"/>
+        </a:xfrm>
+      </p:grpSpPr>
+      <p:sp>
+        <p:nvSpPr>
           <p:cNvPr id="2" name="Title 1">
             <a:extLst>
               <a:ext uri="{FF2B5EF4-FFF2-40B4-BE49-F238E27FC236}">
@@ -3571,7 +3960,7 @@
         <p:spPr>
           <a:xfrm>
             <a:off x="870854" y="4359493"/>
-            <a:ext cx="1665185" cy="459100"/>
+            <a:ext cx="1665185" cy="677108"/>
           </a:xfrm>
           <a:prstGeom prst="rect">
             <a:avLst/>
@@ -3623,21 +4012,21 @@
                 <a:latin typeface="Times New Roman"/>
                 <a:cs typeface="Times New Roman"/>
               </a:rPr>
+              <a:t> PostSamsa2 </a:t>
+            </a:r>
+            <a:r>
+              <a:rPr lang="de-CH" sz="1425" dirty="0" err="1">
+                <a:latin typeface="Times New Roman"/>
+                <a:cs typeface="Times New Roman"/>
+              </a:rPr>
+              <a:t>analysis</a:t>
+            </a:r>
+            <a:r>
+              <a:rPr lang="de-CH" sz="1425" dirty="0">
+                <a:latin typeface="Times New Roman"/>
+                <a:cs typeface="Times New Roman"/>
+              </a:rPr>
               <a:t> </a:t>
-            </a:r>
-            <a:r>
-              <a:rPr lang="de-CH" sz="1425" dirty="0" err="1">
-                <a:latin typeface="Times New Roman"/>
-                <a:cs typeface="Times New Roman"/>
-              </a:rPr>
-              <a:t>analysis</a:t>
-            </a:r>
-            <a:r>
-              <a:rPr lang="de-CH" sz="1425" dirty="0">
-                <a:latin typeface="Times New Roman"/>
-                <a:cs typeface="Times New Roman"/>
-              </a:rPr>
-              <a:t> after Samsa2</a:t>
             </a:r>
             <a:endParaRPr sz="1425" dirty="0">
               <a:latin typeface="Times New Roman"/>
@@ -3952,6 +4341,238 @@
               <a:t> Samsa2</a:t>
             </a:r>
             <a:endParaRPr sz="1425" dirty="0">
+              <a:latin typeface="Times New Roman"/>
+              <a:cs typeface="Times New Roman"/>
+            </a:endParaRPr>
+          </a:p>
+        </p:txBody>
+      </p:sp>
+      <p:sp>
+        <p:nvSpPr>
+          <p:cNvPr id="4" name="object 16">
+            <a:extLst>
+              <a:ext uri="{FF2B5EF4-FFF2-40B4-BE49-F238E27FC236}">
+                <a16:creationId xmlns:a16="http://schemas.microsoft.com/office/drawing/2014/main" id="{9E24BC28-F884-17A8-07A0-76B451F0C50C}"/>
+              </a:ext>
+            </a:extLst>
+          </p:cNvPr>
+          <p:cNvSpPr txBox="1"/>
+          <p:nvPr/>
+        </p:nvSpPr>
+        <p:spPr>
+          <a:xfrm>
+            <a:off x="5422603" y="5403449"/>
+            <a:ext cx="2778461" cy="1254189"/>
+          </a:xfrm>
+          <a:prstGeom prst="rect">
+            <a:avLst/>
+          </a:prstGeom>
+        </p:spPr>
+        <p:txBody>
+          <a:bodyPr vert="horz" wrap="square" lIns="0" tIns="22860" rIns="0" bIns="0" rtlCol="0">
+            <a:spAutoFit/>
+          </a:bodyPr>
+          <a:lstStyle/>
+          <a:p>
+            <a:pPr marL="9523" marR="3810">
+              <a:spcBef>
+                <a:spcPts val="180"/>
+              </a:spcBef>
+              <a:tabLst>
+                <a:tab pos="228113" algn="l"/>
+                <a:tab pos="228588" algn="l"/>
+              </a:tabLst>
+            </a:pPr>
+            <a:r>
+              <a:rPr lang="de-CH" sz="2000" dirty="0" err="1">
+                <a:latin typeface="Times New Roman"/>
+                <a:cs typeface="Times New Roman"/>
+              </a:rPr>
+              <a:t>You</a:t>
+            </a:r>
+            <a:r>
+              <a:rPr lang="de-CH" sz="2000" dirty="0">
+                <a:latin typeface="Times New Roman"/>
+                <a:cs typeface="Times New Roman"/>
+              </a:rPr>
+              <a:t> will </a:t>
+            </a:r>
+            <a:r>
+              <a:rPr lang="de-CH" sz="2000" dirty="0" err="1">
+                <a:latin typeface="Times New Roman"/>
+                <a:cs typeface="Times New Roman"/>
+              </a:rPr>
+              <a:t>need</a:t>
+            </a:r>
+            <a:r>
+              <a:rPr lang="de-CH" sz="2000" dirty="0">
+                <a:latin typeface="Times New Roman"/>
+                <a:cs typeface="Times New Roman"/>
+              </a:rPr>
+              <a:t> </a:t>
+            </a:r>
+            <a:r>
+              <a:rPr lang="de-CH" sz="2000" dirty="0" err="1">
+                <a:latin typeface="Times New Roman"/>
+                <a:cs typeface="Times New Roman"/>
+              </a:rPr>
+              <a:t>to</a:t>
+            </a:r>
+            <a:r>
+              <a:rPr lang="de-CH" sz="2000" dirty="0">
+                <a:latin typeface="Times New Roman"/>
+                <a:cs typeface="Times New Roman"/>
+              </a:rPr>
+              <a:t> </a:t>
+            </a:r>
+            <a:r>
+              <a:rPr lang="de-CH" sz="2000" dirty="0" err="1">
+                <a:latin typeface="Times New Roman"/>
+                <a:cs typeface="Times New Roman"/>
+              </a:rPr>
+              <a:t>run</a:t>
+            </a:r>
+            <a:r>
+              <a:rPr lang="de-CH" sz="2000" dirty="0">
+                <a:latin typeface="Times New Roman"/>
+                <a:cs typeface="Times New Roman"/>
+              </a:rPr>
+              <a:t> </a:t>
+            </a:r>
+            <a:r>
+              <a:rPr lang="de-CH" sz="2000" dirty="0" err="1">
+                <a:latin typeface="Times New Roman"/>
+                <a:cs typeface="Times New Roman"/>
+              </a:rPr>
+              <a:t>it</a:t>
+            </a:r>
+            <a:r>
+              <a:rPr lang="de-CH" sz="2000" dirty="0">
+                <a:latin typeface="Times New Roman"/>
+                <a:cs typeface="Times New Roman"/>
+              </a:rPr>
+              <a:t> on </a:t>
+            </a:r>
+            <a:r>
+              <a:rPr lang="de-CH" sz="2000" dirty="0" err="1">
+                <a:latin typeface="Times New Roman"/>
+                <a:cs typeface="Times New Roman"/>
+              </a:rPr>
+              <a:t>each</a:t>
+            </a:r>
+            <a:r>
+              <a:rPr lang="de-CH" sz="2000" dirty="0">
+                <a:latin typeface="Times New Roman"/>
+                <a:cs typeface="Times New Roman"/>
+              </a:rPr>
+              <a:t> </a:t>
+            </a:r>
+            <a:r>
+              <a:rPr lang="de-CH" sz="2000" dirty="0" err="1">
+                <a:latin typeface="Times New Roman"/>
+                <a:cs typeface="Times New Roman"/>
+              </a:rPr>
+              <a:t>dataset</a:t>
+            </a:r>
+            <a:r>
+              <a:rPr lang="de-CH" sz="2000" dirty="0">
+                <a:latin typeface="Times New Roman"/>
+                <a:cs typeface="Times New Roman"/>
+              </a:rPr>
+              <a:t> </a:t>
+            </a:r>
+            <a:r>
+              <a:rPr lang="de-CH" sz="2000" dirty="0" err="1">
+                <a:latin typeface="Times New Roman"/>
+                <a:cs typeface="Times New Roman"/>
+              </a:rPr>
+              <a:t>separately</a:t>
+            </a:r>
+            <a:r>
+              <a:rPr lang="de-CH" sz="2000" dirty="0">
+                <a:latin typeface="Times New Roman"/>
+                <a:cs typeface="Times New Roman"/>
+              </a:rPr>
+              <a:t>. </a:t>
+            </a:r>
+            <a:r>
+              <a:rPr lang="de-CH" sz="2000" dirty="0" err="1">
+                <a:latin typeface="Times New Roman"/>
+                <a:cs typeface="Times New Roman"/>
+              </a:rPr>
+              <a:t>Please</a:t>
+            </a:r>
+            <a:r>
+              <a:rPr lang="de-CH" sz="2000" dirty="0">
+                <a:latin typeface="Times New Roman"/>
+                <a:cs typeface="Times New Roman"/>
+              </a:rPr>
+              <a:t> </a:t>
+            </a:r>
+            <a:r>
+              <a:rPr lang="de-CH" sz="2000" dirty="0" err="1">
+                <a:latin typeface="Times New Roman"/>
+                <a:cs typeface="Times New Roman"/>
+              </a:rPr>
+              <a:t>see</a:t>
+            </a:r>
+            <a:r>
+              <a:rPr lang="de-CH" sz="2000" dirty="0">
+                <a:latin typeface="Times New Roman"/>
+                <a:cs typeface="Times New Roman"/>
+              </a:rPr>
+              <a:t> </a:t>
+            </a:r>
+            <a:r>
+              <a:rPr lang="de-CH" sz="2000" dirty="0" err="1">
+                <a:latin typeface="Times New Roman"/>
+                <a:cs typeface="Times New Roman"/>
+              </a:rPr>
+              <a:t>next</a:t>
+            </a:r>
+            <a:r>
+              <a:rPr lang="de-CH" sz="2000" dirty="0">
+                <a:latin typeface="Times New Roman"/>
+                <a:cs typeface="Times New Roman"/>
+              </a:rPr>
+              <a:t> </a:t>
+            </a:r>
+            <a:r>
+              <a:rPr lang="de-CH" sz="2000" dirty="0" err="1">
+                <a:latin typeface="Times New Roman"/>
+                <a:cs typeface="Times New Roman"/>
+              </a:rPr>
+              <a:t>page</a:t>
+            </a:r>
+            <a:r>
+              <a:rPr lang="de-CH" sz="2000" dirty="0">
+                <a:latin typeface="Times New Roman"/>
+                <a:cs typeface="Times New Roman"/>
+              </a:rPr>
+              <a:t> </a:t>
+            </a:r>
+            <a:r>
+              <a:rPr lang="de-CH" sz="2000" dirty="0" err="1">
+                <a:latin typeface="Times New Roman"/>
+                <a:cs typeface="Times New Roman"/>
+              </a:rPr>
+              <a:t>for</a:t>
+            </a:r>
+            <a:r>
+              <a:rPr lang="de-CH" sz="2000" dirty="0">
+                <a:latin typeface="Times New Roman"/>
+                <a:cs typeface="Times New Roman"/>
+              </a:rPr>
+              <a:t> </a:t>
+            </a:r>
+            <a:r>
+              <a:rPr lang="de-CH" sz="2000" dirty="0" err="1">
+                <a:latin typeface="Times New Roman"/>
+                <a:cs typeface="Times New Roman"/>
+              </a:rPr>
+              <a:t>parameters</a:t>
+            </a:r>
+            <a:endParaRPr sz="2000" dirty="0">
               <a:latin typeface="Times New Roman"/>
               <a:cs typeface="Times New Roman"/>
             </a:endParaRPr>
@@ -3971,7 +4592,7 @@
 </p:sld>
 </file>
 
-<file path=ppt/slides/slide4.xml><?xml version="1.0" encoding="utf-8"?>
+<file path=ppt/slides/slide6.xml><?xml version="1.0" encoding="utf-8"?>
 <p:sld xmlns:a="http://schemas.openxmlformats.org/drawingml/2006/main" xmlns:r="http://schemas.openxmlformats.org/officeDocument/2006/relationships" xmlns:p="http://schemas.openxmlformats.org/presentationml/2006/main">
   <p:cSld>
     <p:spTree>
